--- a/Introduction to Angularjs.pptx
+++ b/Introduction to Angularjs.pptx
@@ -8,13 +8,15 @@
     <p:sldId id="256" r:id="rId2"/>
     <p:sldId id="257" r:id="rId3"/>
     <p:sldId id="258" r:id="rId4"/>
-    <p:sldId id="259" r:id="rId5"/>
-    <p:sldId id="260" r:id="rId6"/>
-    <p:sldId id="261" r:id="rId7"/>
-    <p:sldId id="262" r:id="rId8"/>
-    <p:sldId id="263" r:id="rId9"/>
-    <p:sldId id="264" r:id="rId10"/>
-    <p:sldId id="265" r:id="rId11"/>
+    <p:sldId id="267" r:id="rId5"/>
+    <p:sldId id="259" r:id="rId6"/>
+    <p:sldId id="260" r:id="rId7"/>
+    <p:sldId id="261" r:id="rId8"/>
+    <p:sldId id="262" r:id="rId9"/>
+    <p:sldId id="263" r:id="rId10"/>
+    <p:sldId id="264" r:id="rId11"/>
+    <p:sldId id="265" r:id="rId12"/>
+    <p:sldId id="266" r:id="rId13"/>
   </p:sldIdLst>
   <p:sldSz cx="9144000" cy="6858000" type="screen4x3"/>
   <p:notesSz cx="6858000" cy="9144000"/>
@@ -297,7 +299,7 @@
           <a:p>
             <a:fld id="{1736C943-5807-4817-8EBB-1B13B88159A8}" type="datetimeFigureOut">
               <a:rPr lang="en-US" smtClean="0"/>
-              <a:t>5/3/2015</a:t>
+              <a:t>5/4/2015</a:t>
             </a:fld>
             <a:endParaRPr lang="en-US"/>
           </a:p>
@@ -467,7 +469,7 @@
           <a:p>
             <a:fld id="{1736C943-5807-4817-8EBB-1B13B88159A8}" type="datetimeFigureOut">
               <a:rPr lang="en-US" smtClean="0"/>
-              <a:t>5/3/2015</a:t>
+              <a:t>5/4/2015</a:t>
             </a:fld>
             <a:endParaRPr lang="en-US"/>
           </a:p>
@@ -647,7 +649,7 @@
           <a:p>
             <a:fld id="{1736C943-5807-4817-8EBB-1B13B88159A8}" type="datetimeFigureOut">
               <a:rPr lang="en-US" smtClean="0"/>
-              <a:t>5/3/2015</a:t>
+              <a:t>5/4/2015</a:t>
             </a:fld>
             <a:endParaRPr lang="en-US"/>
           </a:p>
@@ -817,7 +819,7 @@
           <a:p>
             <a:fld id="{1736C943-5807-4817-8EBB-1B13B88159A8}" type="datetimeFigureOut">
               <a:rPr lang="en-US" smtClean="0"/>
-              <a:t>5/3/2015</a:t>
+              <a:t>5/4/2015</a:t>
             </a:fld>
             <a:endParaRPr lang="en-US"/>
           </a:p>
@@ -1063,7 +1065,7 @@
           <a:p>
             <a:fld id="{1736C943-5807-4817-8EBB-1B13B88159A8}" type="datetimeFigureOut">
               <a:rPr lang="en-US" smtClean="0"/>
-              <a:t>5/3/2015</a:t>
+              <a:t>5/4/2015</a:t>
             </a:fld>
             <a:endParaRPr lang="en-US"/>
           </a:p>
@@ -1351,7 +1353,7 @@
           <a:p>
             <a:fld id="{1736C943-5807-4817-8EBB-1B13B88159A8}" type="datetimeFigureOut">
               <a:rPr lang="en-US" smtClean="0"/>
-              <a:t>5/3/2015</a:t>
+              <a:t>5/4/2015</a:t>
             </a:fld>
             <a:endParaRPr lang="en-US"/>
           </a:p>
@@ -1773,7 +1775,7 @@
           <a:p>
             <a:fld id="{1736C943-5807-4817-8EBB-1B13B88159A8}" type="datetimeFigureOut">
               <a:rPr lang="en-US" smtClean="0"/>
-              <a:t>5/3/2015</a:t>
+              <a:t>5/4/2015</a:t>
             </a:fld>
             <a:endParaRPr lang="en-US"/>
           </a:p>
@@ -1891,7 +1893,7 @@
           <a:p>
             <a:fld id="{1736C943-5807-4817-8EBB-1B13B88159A8}" type="datetimeFigureOut">
               <a:rPr lang="en-US" smtClean="0"/>
-              <a:t>5/3/2015</a:t>
+              <a:t>5/4/2015</a:t>
             </a:fld>
             <a:endParaRPr lang="en-US"/>
           </a:p>
@@ -1986,7 +1988,7 @@
           <a:p>
             <a:fld id="{1736C943-5807-4817-8EBB-1B13B88159A8}" type="datetimeFigureOut">
               <a:rPr lang="en-US" smtClean="0"/>
-              <a:t>5/3/2015</a:t>
+              <a:t>5/4/2015</a:t>
             </a:fld>
             <a:endParaRPr lang="en-US"/>
           </a:p>
@@ -2263,7 +2265,7 @@
           <a:p>
             <a:fld id="{1736C943-5807-4817-8EBB-1B13B88159A8}" type="datetimeFigureOut">
               <a:rPr lang="en-US" smtClean="0"/>
-              <a:t>5/3/2015</a:t>
+              <a:t>5/4/2015</a:t>
             </a:fld>
             <a:endParaRPr lang="en-US"/>
           </a:p>
@@ -2516,7 +2518,7 @@
           <a:p>
             <a:fld id="{1736C943-5807-4817-8EBB-1B13B88159A8}" type="datetimeFigureOut">
               <a:rPr lang="en-US" smtClean="0"/>
-              <a:t>5/3/2015</a:t>
+              <a:t>5/4/2015</a:t>
             </a:fld>
             <a:endParaRPr lang="en-US"/>
           </a:p>
@@ -2729,7 +2731,7 @@
           <a:p>
             <a:fld id="{1736C943-5807-4817-8EBB-1B13B88159A8}" type="datetimeFigureOut">
               <a:rPr lang="en-US" smtClean="0"/>
-              <a:t>5/3/2015</a:t>
+              <a:t>5/4/2015</a:t>
             </a:fld>
             <a:endParaRPr lang="en-US"/>
           </a:p>
@@ -3148,12 +3150,8 @@
               <a:rPr lang="en-US" sz="6000" dirty="0" smtClean="0"/>
             </a:br>
             <a:r>
-              <a:rPr lang="en-US" sz="6000" dirty="0" smtClean="0"/>
-              <a:t>Angular </a:t>
-            </a:r>
-            <a:r>
               <a:rPr lang="en-US" sz="6000" dirty="0" err="1" smtClean="0"/>
-              <a:t>js</a:t>
+              <a:t>Angularjs</a:t>
             </a:r>
             <a:endParaRPr lang="en-US" sz="6000" dirty="0"/>
           </a:p>
@@ -3194,29 +3192,30 @@
           <a:lstStyle/>
           <a:p>
             <a:r>
-              <a:rPr lang="en-US" dirty="0" err="1" smtClean="0"/>
-              <a:t>Kiran</a:t>
-            </a:r>
-            <a:r>
-              <a:rPr lang="en-US" dirty="0" smtClean="0"/>
-              <a:t> </a:t>
-            </a:r>
-            <a:r>
-              <a:rPr lang="en-US" dirty="0" err="1" smtClean="0"/>
-              <a:t>kumar</a:t>
-            </a:r>
-            <a:r>
-              <a:rPr lang="en-US" dirty="0" smtClean="0"/>
-              <a:t> </a:t>
-            </a:r>
-            <a:r>
-              <a:rPr lang="en-US" dirty="0" err="1" smtClean="0"/>
-              <a:t>reddy</a:t>
-            </a:r>
-            <a:r>
-              <a:rPr lang="en-US" dirty="0" smtClean="0"/>
-              <a:t> k</a:t>
-            </a:r>
+              <a:rPr lang="en-US" dirty="0" smtClean="0"/>
+              <a:t>Kiran </a:t>
+            </a:r>
+            <a:r>
+              <a:rPr lang="en-US" dirty="0"/>
+              <a:t>K</a:t>
+            </a:r>
+            <a:r>
+              <a:rPr lang="en-US" dirty="0" smtClean="0"/>
+              <a:t>umar </a:t>
+            </a:r>
+            <a:r>
+              <a:rPr lang="en-US" dirty="0"/>
+              <a:t>R</a:t>
+            </a:r>
+            <a:r>
+              <a:rPr lang="en-US" dirty="0" smtClean="0"/>
+              <a:t>eddy </a:t>
+            </a:r>
+            <a:r>
+              <a:rPr lang="en-US" dirty="0"/>
+              <a:t>k</a:t>
+            </a:r>
+            <a:endParaRPr lang="en-US" dirty="0" smtClean="0"/>
           </a:p>
           <a:p>
             <a:r>
@@ -3299,7 +3298,7 @@
           <a:p>
             <a:r>
               <a:rPr lang="en-US" dirty="0" smtClean="0"/>
-              <a:t>Route</a:t>
+              <a:t>Controller</a:t>
             </a:r>
             <a:endParaRPr lang="en-US" dirty="0"/>
           </a:p>
@@ -3331,14 +3330,144 @@
           </a:fontRef>
         </p:style>
         <p:txBody>
+          <a:bodyPr/>
+          <a:lstStyle/>
+          <a:p>
+            <a:r>
+              <a:rPr lang="en-US" dirty="0" smtClean="0"/>
+              <a:t>Populate the scope with initial model values.</a:t>
+            </a:r>
+          </a:p>
+          <a:p>
+            <a:r>
+              <a:rPr lang="en-US" dirty="0" smtClean="0"/>
+              <a:t>Augment the scope with functions that can be called by the UI.</a:t>
+            </a:r>
+          </a:p>
+          <a:p>
+            <a:r>
+              <a:rPr lang="en-US" dirty="0"/>
+              <a:t>In general, a Controller shouldn't try to do too much. </a:t>
+            </a:r>
+            <a:endParaRPr lang="en-US" dirty="0" smtClean="0"/>
+          </a:p>
+          <a:p>
+            <a:r>
+              <a:rPr lang="en-US" dirty="0" smtClean="0"/>
+              <a:t>It </a:t>
+            </a:r>
+            <a:r>
+              <a:rPr lang="en-US" dirty="0"/>
+              <a:t>should contain only the business logic needed for a single view.</a:t>
+            </a:r>
+          </a:p>
+        </p:txBody>
+      </p:sp>
+    </p:spTree>
+    <p:extLst>
+      <p:ext uri="{BB962C8B-B14F-4D97-AF65-F5344CB8AC3E}">
+        <p14:creationId xmlns:p14="http://schemas.microsoft.com/office/powerpoint/2010/main" val="3880894844"/>
+      </p:ext>
+    </p:extLst>
+  </p:cSld>
+  <p:clrMapOvr>
+    <a:masterClrMapping/>
+  </p:clrMapOvr>
+</p:sld>
+</file>
+
+<file path=ppt/slides/slide11.xml><?xml version="1.0" encoding="utf-8"?>
+<p:sld xmlns:a="http://schemas.openxmlformats.org/drawingml/2006/main" xmlns:r="http://schemas.openxmlformats.org/officeDocument/2006/relationships" xmlns:p="http://schemas.openxmlformats.org/presentationml/2006/main">
+  <p:cSld>
+    <p:spTree>
+      <p:nvGrpSpPr>
+        <p:cNvPr id="1" name=""/>
+        <p:cNvGrpSpPr/>
+        <p:nvPr/>
+      </p:nvGrpSpPr>
+      <p:grpSpPr>
+        <a:xfrm>
+          <a:off x="0" y="0"/>
+          <a:ext cx="0" cy="0"/>
+          <a:chOff x="0" y="0"/>
+          <a:chExt cx="0" cy="0"/>
+        </a:xfrm>
+      </p:grpSpPr>
+      <p:sp>
+        <p:nvSpPr>
+          <p:cNvPr id="2" name="Title 1"/>
+          <p:cNvSpPr>
+            <a:spLocks noGrp="1"/>
+          </p:cNvSpPr>
+          <p:nvPr>
+            <p:ph type="title"/>
+          </p:nvPr>
+        </p:nvSpPr>
+        <p:spPr/>
+        <p:style>
+          <a:lnRef idx="1">
+            <a:schemeClr val="accent1"/>
+          </a:lnRef>
+          <a:fillRef idx="2">
+            <a:schemeClr val="accent1"/>
+          </a:fillRef>
+          <a:effectRef idx="1">
+            <a:schemeClr val="accent1"/>
+          </a:effectRef>
+          <a:fontRef idx="minor">
+            <a:schemeClr val="dk1"/>
+          </a:fontRef>
+        </p:style>
+        <p:txBody>
+          <a:bodyPr/>
+          <a:lstStyle/>
+          <a:p>
+            <a:r>
+              <a:rPr lang="en-US" dirty="0" smtClean="0"/>
+              <a:t>Route</a:t>
+            </a:r>
+            <a:endParaRPr lang="en-US" dirty="0"/>
+          </a:p>
+        </p:txBody>
+      </p:sp>
+      <p:sp>
+        <p:nvSpPr>
+          <p:cNvPr id="3" name="Content Placeholder 2"/>
+          <p:cNvSpPr>
+            <a:spLocks noGrp="1"/>
+          </p:cNvSpPr>
+          <p:nvPr>
+            <p:ph idx="1"/>
+          </p:nvPr>
+        </p:nvSpPr>
+        <p:spPr/>
+        <p:style>
+          <a:lnRef idx="1">
+            <a:schemeClr val="accent1"/>
+          </a:lnRef>
+          <a:fillRef idx="2">
+            <a:schemeClr val="accent1"/>
+          </a:fillRef>
+          <a:effectRef idx="1">
+            <a:schemeClr val="accent1"/>
+          </a:effectRef>
+          <a:fontRef idx="minor">
+            <a:schemeClr val="dk1"/>
+          </a:fontRef>
+        </p:style>
+        <p:txBody>
           <a:bodyPr>
-            <a:normAutofit fontScale="77500" lnSpcReduction="20000"/>
+            <a:normAutofit fontScale="85000" lnSpcReduction="20000"/>
           </a:bodyPr>
           <a:lstStyle/>
           <a:p>
             <a:r>
-              <a:rPr lang="en-US" dirty="0" smtClean="0"/>
-              <a:t>$route is used for deep-linking URLs to controllers and views (HTML partials). </a:t>
+              <a:rPr lang="en-US" altLang="en-US" dirty="0"/>
+              <a:t>Use different views for different URL </a:t>
+            </a:r>
+            <a:r>
+              <a:rPr lang="en-US" altLang="en-US" dirty="0" smtClean="0"/>
+              <a:t>fragments</a:t>
             </a:r>
           </a:p>
           <a:p>
@@ -3351,6 +3480,9 @@
             </a:r>
           </a:p>
           <a:p>
+            <a:pPr marL="0" indent="0">
+              <a:buNone/>
+            </a:pPr>
             <a:endParaRPr lang="en-US" dirty="0" smtClean="0"/>
           </a:p>
           <a:p>
@@ -3390,7 +3522,7 @@
           <a:p>
             <a:r>
               <a:rPr lang="en-US" dirty="0" smtClean="0"/>
-              <a:t>The $route service is typically used in conjunction with the </a:t>
+              <a:t>The $route service is typically used with the </a:t>
             </a:r>
             <a:r>
               <a:rPr lang="en-US" dirty="0" err="1" smtClean="0"/>
@@ -3398,15 +3530,7 @@
             </a:r>
             <a:r>
               <a:rPr lang="en-US" dirty="0" smtClean="0"/>
-              <a:t> directive and the $</a:t>
-            </a:r>
-            <a:r>
-              <a:rPr lang="en-US" dirty="0" err="1" smtClean="0"/>
-              <a:t>routeParams</a:t>
-            </a:r>
-            <a:r>
-              <a:rPr lang="en-US" dirty="0" smtClean="0"/>
-              <a:t> service.</a:t>
+              <a:t> directive .</a:t>
             </a:r>
             <a:endParaRPr lang="en-US" dirty="0"/>
           </a:p>
@@ -3416,6 +3540,166 @@
     <p:extLst>
       <p:ext uri="{BB962C8B-B14F-4D97-AF65-F5344CB8AC3E}">
         <p14:creationId xmlns:p14="http://schemas.microsoft.com/office/powerpoint/2010/main" val="3233443155"/>
+      </p:ext>
+    </p:extLst>
+  </p:cSld>
+  <p:clrMapOvr>
+    <a:masterClrMapping/>
+  </p:clrMapOvr>
+</p:sld>
+</file>
+
+<file path=ppt/slides/slide12.xml><?xml version="1.0" encoding="utf-8"?>
+<p:sld xmlns:a="http://schemas.openxmlformats.org/drawingml/2006/main" xmlns:r="http://schemas.openxmlformats.org/officeDocument/2006/relationships" xmlns:p="http://schemas.openxmlformats.org/presentationml/2006/main">
+  <p:cSld>
+    <p:spTree>
+      <p:nvGrpSpPr>
+        <p:cNvPr id="1" name=""/>
+        <p:cNvGrpSpPr/>
+        <p:nvPr/>
+      </p:nvGrpSpPr>
+      <p:grpSpPr>
+        <a:xfrm>
+          <a:off x="0" y="0"/>
+          <a:ext cx="0" cy="0"/>
+          <a:chOff x="0" y="0"/>
+          <a:chExt cx="0" cy="0"/>
+        </a:xfrm>
+      </p:grpSpPr>
+      <p:sp>
+        <p:nvSpPr>
+          <p:cNvPr id="2" name="Title 1"/>
+          <p:cNvSpPr>
+            <a:spLocks noGrp="1"/>
+          </p:cNvSpPr>
+          <p:nvPr>
+            <p:ph type="title"/>
+          </p:nvPr>
+        </p:nvSpPr>
+        <p:spPr/>
+        <p:style>
+          <a:lnRef idx="1">
+            <a:schemeClr val="accent1"/>
+          </a:lnRef>
+          <a:fillRef idx="2">
+            <a:schemeClr val="accent1"/>
+          </a:fillRef>
+          <a:effectRef idx="1">
+            <a:schemeClr val="accent1"/>
+          </a:effectRef>
+          <a:fontRef idx="minor">
+            <a:schemeClr val="dk1"/>
+          </a:fontRef>
+        </p:style>
+        <p:txBody>
+          <a:bodyPr/>
+          <a:lstStyle/>
+          <a:p>
+            <a:r>
+              <a:rPr lang="en-US" dirty="0" smtClean="0"/>
+              <a:t>Integration with backend</a:t>
+            </a:r>
+            <a:endParaRPr lang="en-US" dirty="0"/>
+          </a:p>
+        </p:txBody>
+      </p:sp>
+      <p:sp>
+        <p:nvSpPr>
+          <p:cNvPr id="3" name="Content Placeholder 2"/>
+          <p:cNvSpPr>
+            <a:spLocks noGrp="1"/>
+          </p:cNvSpPr>
+          <p:nvPr>
+            <p:ph idx="1"/>
+          </p:nvPr>
+        </p:nvSpPr>
+        <p:spPr/>
+        <p:style>
+          <a:lnRef idx="1">
+            <a:schemeClr val="accent1"/>
+          </a:lnRef>
+          <a:fillRef idx="2">
+            <a:schemeClr val="accent1"/>
+          </a:fillRef>
+          <a:effectRef idx="1">
+            <a:schemeClr val="accent1"/>
+          </a:effectRef>
+          <a:fontRef idx="minor">
+            <a:schemeClr val="dk1"/>
+          </a:fontRef>
+        </p:style>
+        <p:txBody>
+          <a:bodyPr/>
+          <a:lstStyle/>
+          <a:p>
+            <a:r>
+              <a:rPr lang="en-US" dirty="0" smtClean="0"/>
+              <a:t>Single page is loaded along with the scripts.</a:t>
+            </a:r>
+          </a:p>
+          <a:p>
+            <a:r>
+              <a:rPr lang="en-US" dirty="0" smtClean="0"/>
+              <a:t>Interact with backend using restful web services.</a:t>
+            </a:r>
+          </a:p>
+          <a:p>
+            <a:r>
+              <a:rPr lang="en-US" dirty="0" smtClean="0"/>
+              <a:t>For making CRUD operation </a:t>
+            </a:r>
+            <a:r>
+              <a:rPr lang="en-US" dirty="0" err="1" smtClean="0"/>
+              <a:t>angularjs</a:t>
+            </a:r>
+            <a:r>
+              <a:rPr lang="en-US" dirty="0" smtClean="0"/>
+              <a:t> provides an service called </a:t>
+            </a:r>
+            <a:r>
+              <a:rPr lang="en-US" i="1" dirty="0" smtClean="0"/>
+              <a:t>$http.</a:t>
+            </a:r>
+          </a:p>
+          <a:p>
+            <a:r>
+              <a:rPr lang="en-US" i="1" dirty="0"/>
+              <a:t>$</a:t>
+            </a:r>
+            <a:r>
+              <a:rPr lang="en-US" i="1" dirty="0" smtClean="0"/>
+              <a:t>http </a:t>
+            </a:r>
+            <a:r>
+              <a:rPr lang="en-US" dirty="0"/>
+              <a:t> </a:t>
+            </a:r>
+            <a:r>
+              <a:rPr lang="en-US" dirty="0" smtClean="0"/>
+              <a:t>is used to make </a:t>
+            </a:r>
+            <a:r>
+              <a:rPr lang="en-US" dirty="0" err="1" smtClean="0"/>
+              <a:t>ajax</a:t>
+            </a:r>
+            <a:r>
+              <a:rPr lang="en-US" dirty="0" smtClean="0"/>
+              <a:t> calls.</a:t>
+            </a:r>
+          </a:p>
+          <a:p>
+            <a:r>
+              <a:rPr lang="en-US" dirty="0" smtClean="0"/>
+              <a:t>We could also write our own services and use for interacting with backend.</a:t>
+            </a:r>
+            <a:endParaRPr lang="en-US" dirty="0"/>
+          </a:p>
+        </p:txBody>
+      </p:sp>
+    </p:spTree>
+    <p:extLst>
+      <p:ext uri="{BB962C8B-B14F-4D97-AF65-F5344CB8AC3E}">
+        <p14:creationId xmlns:p14="http://schemas.microsoft.com/office/powerpoint/2010/main" val="1342338660"/>
       </p:ext>
     </p:extLst>
   </p:cSld>
@@ -3679,7 +3963,15 @@
           <a:p>
             <a:r>
               <a:rPr lang="en-US" dirty="0"/>
-              <a:t>HTML is great for declaring static documents, but it falters when we try to use it for declaring dynamic views in web-applications</a:t>
+              <a:t>HTML is great for declaring static documents, but it </a:t>
+            </a:r>
+            <a:r>
+              <a:rPr lang="en-US" dirty="0" smtClean="0"/>
+              <a:t>falters when </a:t>
+            </a:r>
+            <a:r>
+              <a:rPr lang="en-US" dirty="0"/>
+              <a:t>we try to use it for declaring dynamic views in web-applications</a:t>
             </a:r>
             <a:r>
               <a:rPr lang="en-US" dirty="0" smtClean="0"/>
@@ -3688,30 +3980,22 @@
           </a:p>
           <a:p>
             <a:r>
-              <a:rPr lang="en-US" dirty="0" err="1" smtClean="0"/>
+              <a:rPr lang="en-US" dirty="0" smtClean="0"/>
+              <a:t>jQuery is a library meant for is DOM manipulation, animations and an AJAX wrapper. NOT an application framework.</a:t>
+            </a:r>
+          </a:p>
+          <a:p>
+            <a:r>
+              <a:rPr lang="en-US" dirty="0" err="1"/>
               <a:t>AngularJS</a:t>
             </a:r>
             <a:r>
-              <a:rPr lang="en-US" dirty="0" smtClean="0"/>
-              <a:t> </a:t>
-            </a:r>
-            <a:r>
               <a:rPr lang="en-US" dirty="0"/>
-              <a:t>lets you extend HTML vocabulary for your application</a:t>
+              <a:t> lets you extend HTML vocabulary for your application</a:t>
             </a:r>
             <a:r>
               <a:rPr lang="en-US" dirty="0" smtClean="0"/>
               <a:t>.</a:t>
-            </a:r>
-          </a:p>
-          <a:p>
-            <a:r>
-              <a:rPr lang="en-US" dirty="0" err="1" smtClean="0"/>
-              <a:t>jQuery</a:t>
-            </a:r>
-            <a:r>
-              <a:rPr lang="en-US" dirty="0" smtClean="0"/>
-              <a:t> is a library meant for is DOM manipulation, animations and an AJAX wrapper. NOT an application framework.</a:t>
             </a:r>
           </a:p>
           <a:p>
@@ -3789,12 +4073,8 @@
           <a:lstStyle/>
           <a:p>
             <a:r>
-              <a:rPr lang="en-US" dirty="0" err="1" smtClean="0"/>
-              <a:t>Angularjs</a:t>
-            </a:r>
-            <a:r>
-              <a:rPr lang="en-US" dirty="0" smtClean="0"/>
-              <a:t> key concepts</a:t>
+              <a:rPr lang="en-US" dirty="0" smtClean="0"/>
+              <a:t>MVC</a:t>
             </a:r>
             <a:endParaRPr lang="en-US" dirty="0"/>
           </a:p>
@@ -3826,166 +4106,546 @@
           </a:fontRef>
         </p:style>
         <p:txBody>
+          <a:bodyPr/>
+          <a:lstStyle/>
+          <a:p>
+            <a:pPr>
+              <a:lnSpc>
+                <a:spcPct val="90000"/>
+              </a:lnSpc>
+            </a:pPr>
+            <a:r>
+              <a:rPr lang="en-US" altLang="en-US" dirty="0"/>
+              <a:t>Model</a:t>
+            </a:r>
+          </a:p>
+          <a:p>
+            <a:pPr lvl="1">
+              <a:lnSpc>
+                <a:spcPct val="90000"/>
+              </a:lnSpc>
+            </a:pPr>
+            <a:r>
+              <a:rPr lang="en-US" altLang="en-US" dirty="0"/>
+              <a:t>The data</a:t>
+            </a:r>
+          </a:p>
+          <a:p>
+            <a:pPr>
+              <a:lnSpc>
+                <a:spcPct val="90000"/>
+              </a:lnSpc>
+            </a:pPr>
+            <a:r>
+              <a:rPr lang="en-US" altLang="en-US" dirty="0"/>
+              <a:t>Controller</a:t>
+            </a:r>
+          </a:p>
+          <a:p>
+            <a:pPr lvl="1">
+              <a:lnSpc>
+                <a:spcPct val="90000"/>
+              </a:lnSpc>
+            </a:pPr>
+            <a:r>
+              <a:rPr lang="en-US" altLang="en-US" dirty="0"/>
+              <a:t>The behavior</a:t>
+            </a:r>
+          </a:p>
+          <a:p>
+            <a:pPr lvl="1">
+              <a:lnSpc>
+                <a:spcPct val="90000"/>
+              </a:lnSpc>
+            </a:pPr>
+            <a:r>
+              <a:rPr lang="en-US" altLang="en-US" dirty="0"/>
+              <a:t>Modifying / updating the models</a:t>
+            </a:r>
+          </a:p>
+          <a:p>
+            <a:pPr>
+              <a:lnSpc>
+                <a:spcPct val="90000"/>
+              </a:lnSpc>
+            </a:pPr>
+            <a:r>
+              <a:rPr lang="en-US" altLang="en-US" dirty="0"/>
+              <a:t>View</a:t>
+            </a:r>
+          </a:p>
+          <a:p>
+            <a:pPr lvl="1">
+              <a:lnSpc>
+                <a:spcPct val="90000"/>
+              </a:lnSpc>
+            </a:pPr>
+            <a:r>
+              <a:rPr lang="en-US" altLang="en-US" dirty="0"/>
+              <a:t>The interface</a:t>
+            </a:r>
+          </a:p>
+          <a:p>
+            <a:pPr lvl="1">
+              <a:lnSpc>
+                <a:spcPct val="90000"/>
+              </a:lnSpc>
+            </a:pPr>
+            <a:r>
+              <a:rPr lang="en-US" altLang="en-US" dirty="0"/>
+              <a:t>How the data is presented to the user</a:t>
+            </a:r>
+          </a:p>
+          <a:p>
+            <a:endParaRPr lang="en-US" dirty="0"/>
+          </a:p>
+        </p:txBody>
+      </p:sp>
+      <p:sp>
+        <p:nvSpPr>
+          <p:cNvPr id="4" name="AutoShape 4"/>
+          <p:cNvSpPr>
+            <a:spLocks/>
+          </p:cNvSpPr>
+          <p:nvPr/>
+        </p:nvSpPr>
+        <p:spPr bwMode="auto">
+          <a:xfrm>
+            <a:off x="6819900" y="1688123"/>
+            <a:ext cx="381000" cy="2362200"/>
+          </a:xfrm>
+          <a:prstGeom prst="rightBracket">
+            <a:avLst>
+              <a:gd name="adj" fmla="val 51667"/>
+            </a:avLst>
+          </a:prstGeom>
+          <a:noFill/>
+          <a:ln w="38100">
+            <a:solidFill>
+              <a:schemeClr val="tx1"/>
+            </a:solidFill>
+            <a:round/>
+            <a:headEnd/>
+            <a:tailEnd/>
+          </a:ln>
+          <a:effectLst/>
+          <a:extLst>
+            <a:ext uri="{909E8E84-426E-40DD-AFC4-6F175D3DCCD1}">
+              <a14:hiddenFill xmlns:a14="http://schemas.microsoft.com/office/drawing/2010/main">
+                <a:solidFill>
+                  <a:schemeClr val="accent1"/>
+                </a:solidFill>
+              </a14:hiddenFill>
+            </a:ext>
+            <a:ext uri="{AF507438-7753-43E0-B8FC-AC1667EBCBE1}">
+              <a14:hiddenEffects xmlns:a14="http://schemas.microsoft.com/office/drawing/2010/main">
+                <a:effectLst>
+                  <a:outerShdw dist="35921" dir="2700000" algn="ctr" rotWithShape="0">
+                    <a:schemeClr val="bg2"/>
+                  </a:outerShdw>
+                </a:effectLst>
+              </a14:hiddenEffects>
+            </a:ext>
+          </a:extLst>
+        </p:spPr>
+        <p:txBody>
+          <a:bodyPr wrap="none" anchor="ctr"/>
+          <a:lstStyle/>
+          <a:p>
+            <a:endParaRPr lang="en-US"/>
+          </a:p>
+        </p:txBody>
+      </p:sp>
+      <p:sp>
+        <p:nvSpPr>
+          <p:cNvPr id="7" name="Text Box 6"/>
+          <p:cNvSpPr txBox="1">
+            <a:spLocks noChangeArrowheads="1"/>
+          </p:cNvSpPr>
+          <p:nvPr/>
+        </p:nvSpPr>
+        <p:spPr bwMode="auto">
+          <a:xfrm>
+            <a:off x="7291168" y="2412023"/>
+            <a:ext cx="1447800" cy="457200"/>
+          </a:xfrm>
+          <a:prstGeom prst="rect">
+            <a:avLst/>
+          </a:prstGeom>
+          <a:noFill/>
+          <a:ln>
+            <a:noFill/>
+          </a:ln>
+          <a:effectLst/>
+          <a:extLst>
+            <a:ext uri="{909E8E84-426E-40DD-AFC4-6F175D3DCCD1}">
+              <a14:hiddenFill xmlns:a14="http://schemas.microsoft.com/office/drawing/2010/main">
+                <a:solidFill>
+                  <a:schemeClr val="accent1"/>
+                </a:solidFill>
+              </a14:hiddenFill>
+            </a:ext>
+            <a:ext uri="{91240B29-F687-4F45-9708-019B960494DF}">
+              <a14:hiddenLine xmlns:a14="http://schemas.microsoft.com/office/drawing/2010/main" w="9525">
+                <a:solidFill>
+                  <a:schemeClr val="tx1"/>
+                </a:solidFill>
+                <a:miter lim="800000"/>
+                <a:headEnd/>
+                <a:tailEnd/>
+              </a14:hiddenLine>
+            </a:ext>
+            <a:ext uri="{AF507438-7753-43E0-B8FC-AC1667EBCBE1}">
+              <a14:hiddenEffects xmlns:a14="http://schemas.microsoft.com/office/drawing/2010/main">
+                <a:effectLst>
+                  <a:outerShdw dist="35921" dir="2700000" algn="ctr" rotWithShape="0">
+                    <a:schemeClr val="bg2"/>
+                  </a:outerShdw>
+                </a:effectLst>
+              </a14:hiddenEffects>
+            </a:ext>
+          </a:extLst>
+        </p:spPr>
+        <p:txBody>
+          <a:bodyPr wrap="square">
+            <a:spAutoFit/>
+          </a:bodyPr>
+          <a:lstStyle/>
+          <a:p>
+            <a:pPr>
+              <a:spcBef>
+                <a:spcPct val="50000"/>
+              </a:spcBef>
+            </a:pPr>
+            <a:r>
+              <a:rPr lang="en-US" altLang="en-US" sz="2400" dirty="0"/>
+              <a:t>JavaScript</a:t>
+            </a:r>
+          </a:p>
+        </p:txBody>
+      </p:sp>
+      <p:sp>
+        <p:nvSpPr>
+          <p:cNvPr id="8" name="AutoShape 5"/>
+          <p:cNvSpPr>
+            <a:spLocks/>
+          </p:cNvSpPr>
+          <p:nvPr/>
+        </p:nvSpPr>
+        <p:spPr bwMode="auto">
+          <a:xfrm>
+            <a:off x="6910168" y="4419600"/>
+            <a:ext cx="381000" cy="1447800"/>
+          </a:xfrm>
+          <a:prstGeom prst="rightBracket">
+            <a:avLst>
+              <a:gd name="adj" fmla="val 31667"/>
+            </a:avLst>
+          </a:prstGeom>
+          <a:noFill/>
+          <a:ln w="38100">
+            <a:solidFill>
+              <a:schemeClr val="tx1"/>
+            </a:solidFill>
+            <a:round/>
+            <a:headEnd/>
+            <a:tailEnd/>
+          </a:ln>
+          <a:effectLst/>
+          <a:extLst>
+            <a:ext uri="{909E8E84-426E-40DD-AFC4-6F175D3DCCD1}">
+              <a14:hiddenFill xmlns:a14="http://schemas.microsoft.com/office/drawing/2010/main">
+                <a:solidFill>
+                  <a:schemeClr val="accent1"/>
+                </a:solidFill>
+              </a14:hiddenFill>
+            </a:ext>
+            <a:ext uri="{AF507438-7753-43E0-B8FC-AC1667EBCBE1}">
+              <a14:hiddenEffects xmlns:a14="http://schemas.microsoft.com/office/drawing/2010/main">
+                <a:effectLst>
+                  <a:outerShdw dist="35921" dir="2700000" algn="ctr" rotWithShape="0">
+                    <a:schemeClr val="bg2"/>
+                  </a:outerShdw>
+                </a:effectLst>
+              </a14:hiddenEffects>
+            </a:ext>
+          </a:extLst>
+        </p:spPr>
+        <p:txBody>
+          <a:bodyPr wrap="none" anchor="ctr"/>
+          <a:lstStyle/>
+          <a:p>
+            <a:endParaRPr lang="en-US"/>
+          </a:p>
+        </p:txBody>
+      </p:sp>
+      <p:sp>
+        <p:nvSpPr>
+          <p:cNvPr id="9" name="Text Box 7"/>
+          <p:cNvSpPr txBox="1">
+            <a:spLocks noChangeArrowheads="1"/>
+          </p:cNvSpPr>
+          <p:nvPr/>
+        </p:nvSpPr>
+        <p:spPr bwMode="auto">
+          <a:xfrm>
+            <a:off x="7467600" y="4876800"/>
+            <a:ext cx="1676400" cy="457200"/>
+          </a:xfrm>
+          <a:prstGeom prst="rect">
+            <a:avLst/>
+          </a:prstGeom>
+          <a:noFill/>
+          <a:ln>
+            <a:noFill/>
+          </a:ln>
+          <a:effectLst/>
+          <a:extLst>
+            <a:ext uri="{909E8E84-426E-40DD-AFC4-6F175D3DCCD1}">
+              <a14:hiddenFill xmlns:a14="http://schemas.microsoft.com/office/drawing/2010/main">
+                <a:solidFill>
+                  <a:schemeClr val="accent1"/>
+                </a:solidFill>
+              </a14:hiddenFill>
+            </a:ext>
+            <a:ext uri="{91240B29-F687-4F45-9708-019B960494DF}">
+              <a14:hiddenLine xmlns:a14="http://schemas.microsoft.com/office/drawing/2010/main" w="9525">
+                <a:solidFill>
+                  <a:schemeClr val="tx1"/>
+                </a:solidFill>
+                <a:miter lim="800000"/>
+                <a:headEnd/>
+                <a:tailEnd/>
+              </a14:hiddenLine>
+            </a:ext>
+            <a:ext uri="{AF507438-7753-43E0-B8FC-AC1667EBCBE1}">
+              <a14:hiddenEffects xmlns:a14="http://schemas.microsoft.com/office/drawing/2010/main">
+                <a:effectLst>
+                  <a:outerShdw dist="35921" dir="2700000" algn="ctr" rotWithShape="0">
+                    <a:schemeClr val="bg2"/>
+                  </a:outerShdw>
+                </a:effectLst>
+              </a14:hiddenEffects>
+            </a:ext>
+          </a:extLst>
+        </p:spPr>
+        <p:txBody>
           <a:bodyPr>
-            <a:normAutofit fontScale="85000" lnSpcReduction="10000"/>
+            <a:spAutoFit/>
           </a:bodyPr>
           <a:lstStyle/>
           <a:p>
-            <a:pPr marL="857250" lvl="2" indent="-457200">
-              <a:spcAft>
-                <a:spcPts val="600"/>
-              </a:spcAft>
+            <a:pPr>
+              <a:spcBef>
+                <a:spcPct val="50000"/>
+              </a:spcBef>
             </a:pPr>
             <a:r>
-              <a:rPr lang="en-US" sz="3200" b="1" dirty="0"/>
-              <a:t>Directive</a:t>
-            </a:r>
-            <a:r>
-              <a:rPr lang="en-US" sz="3200" dirty="0"/>
-              <a:t>: </a:t>
-            </a:r>
-            <a:r>
-              <a:rPr lang="en-US" sz="3200" dirty="0" smtClean="0"/>
-              <a:t>extends </a:t>
-            </a:r>
-            <a:r>
-              <a:rPr lang="en-US" sz="3200" dirty="0"/>
-              <a:t>HTML with custom attributes and </a:t>
-            </a:r>
-            <a:r>
-              <a:rPr lang="en-US" sz="3200" dirty="0" smtClean="0"/>
-              <a:t>elements</a:t>
-            </a:r>
-          </a:p>
-          <a:p>
-            <a:pPr marL="857250" lvl="2" indent="-457200">
-              <a:spcAft>
-                <a:spcPts val="600"/>
-              </a:spcAft>
-            </a:pPr>
-            <a:r>
-              <a:rPr lang="en-US" sz="3200" b="1" dirty="0" smtClean="0"/>
-              <a:t>Controller</a:t>
-            </a:r>
-            <a:r>
-              <a:rPr lang="en-US" sz="3200" dirty="0"/>
-              <a:t>: the business logic behind views</a:t>
-            </a:r>
-          </a:p>
-          <a:p>
-            <a:pPr marL="857250" lvl="2" indent="-457200">
-              <a:spcAft>
-                <a:spcPts val="600"/>
-              </a:spcAft>
-            </a:pPr>
-            <a:r>
-              <a:rPr lang="en-US" sz="3200" b="1" dirty="0"/>
-              <a:t>Scope</a:t>
-            </a:r>
-            <a:r>
-              <a:rPr lang="en-US" sz="3200" dirty="0"/>
-              <a:t>: “Glue” between the controller and the </a:t>
-            </a:r>
-            <a:r>
-              <a:rPr lang="en-US" sz="3200" dirty="0" smtClean="0"/>
-              <a:t>view</a:t>
-            </a:r>
-            <a:endParaRPr lang="en-US" sz="3200" dirty="0"/>
-          </a:p>
-          <a:p>
-            <a:pPr marL="857250" lvl="2" indent="-457200">
-              <a:spcAft>
-                <a:spcPts val="600"/>
-              </a:spcAft>
-            </a:pPr>
-            <a:r>
-              <a:rPr lang="en-US" sz="3200" b="1" dirty="0" smtClean="0"/>
-              <a:t>Dependency </a:t>
-            </a:r>
-            <a:r>
-              <a:rPr lang="en-US" sz="3200" b="1" dirty="0"/>
-              <a:t>Injection</a:t>
-            </a:r>
-            <a:r>
-              <a:rPr lang="en-US" sz="3200" dirty="0"/>
-              <a:t>: Automatically manage object </a:t>
-            </a:r>
-            <a:r>
-              <a:rPr lang="en-US" sz="3200" dirty="0" smtClean="0"/>
-              <a:t>dependencies</a:t>
-            </a:r>
-          </a:p>
-          <a:p>
-            <a:pPr marL="857250" lvl="2" indent="-457200">
-              <a:spcAft>
-                <a:spcPts val="600"/>
-              </a:spcAft>
-            </a:pPr>
-            <a:r>
-              <a:rPr lang="en-US" sz="3200" b="1" dirty="0" smtClean="0"/>
-              <a:t>Filter</a:t>
-            </a:r>
-            <a:r>
-              <a:rPr lang="en-US" sz="3200" dirty="0" smtClean="0"/>
-              <a:t>: </a:t>
-            </a:r>
-            <a:r>
-              <a:rPr lang="en-US" sz="3200" dirty="0"/>
-              <a:t>formats </a:t>
-            </a:r>
-            <a:r>
-              <a:rPr lang="en-US" sz="3200" dirty="0" smtClean="0"/>
-              <a:t>or transforms the input data</a:t>
-            </a:r>
-          </a:p>
-          <a:p>
-            <a:pPr marL="857250" lvl="2" indent="-457200">
-              <a:spcAft>
-                <a:spcPts val="600"/>
-              </a:spcAft>
-            </a:pPr>
-            <a:r>
-              <a:rPr lang="en-US" sz="3200" b="1" dirty="0" smtClean="0"/>
-              <a:t>Data Binding: </a:t>
-            </a:r>
-            <a:r>
-              <a:rPr lang="en-US" sz="3200" dirty="0" smtClean="0"/>
-              <a:t>sync </a:t>
-            </a:r>
-            <a:r>
-              <a:rPr lang="en-US" sz="3200" dirty="0"/>
-              <a:t>data between the model and the view</a:t>
-            </a:r>
-          </a:p>
-          <a:p>
-            <a:pPr marL="0" indent="0">
-              <a:buNone/>
-            </a:pPr>
-            <a:endParaRPr lang="en-US" dirty="0"/>
+              <a:rPr lang="en-US" altLang="en-US" sz="2400" dirty="0"/>
+              <a:t>HTML</a:t>
+            </a:r>
           </a:p>
         </p:txBody>
       </p:sp>
     </p:spTree>
     <p:extLst>
       <p:ext uri="{BB962C8B-B14F-4D97-AF65-F5344CB8AC3E}">
-        <p14:creationId xmlns:p14="http://schemas.microsoft.com/office/powerpoint/2010/main" val="3663102342"/>
+        <p14:creationId xmlns:p14="http://schemas.microsoft.com/office/powerpoint/2010/main" val="691469835"/>
       </p:ext>
     </p:extLst>
   </p:cSld>
   <p:clrMapOvr>
     <a:masterClrMapping/>
   </p:clrMapOvr>
+  <p:timing>
+    <p:tnLst>
+      <p:par>
+        <p:cTn id="1" dur="indefinite" restart="never" nodeType="tmRoot">
+          <p:childTnLst>
+            <p:seq concurrent="1" nextAc="seek">
+              <p:cTn id="2" dur="indefinite" nodeType="mainSeq">
+                <p:childTnLst>
+                  <p:par>
+                    <p:cTn id="3" fill="hold">
+                      <p:stCondLst>
+                        <p:cond delay="indefinite"/>
+                        <p:cond evt="onBegin" delay="0">
+                          <p:tn val="2"/>
+                        </p:cond>
+                      </p:stCondLst>
+                      <p:childTnLst>
+                        <p:par>
+                          <p:cTn id="4" fill="hold">
+                            <p:stCondLst>
+                              <p:cond delay="0"/>
+                            </p:stCondLst>
+                            <p:childTnLst>
+                              <p:par>
+                                <p:cTn id="5" presetID="1" presetClass="entr" presetSubtype="0" fill="hold" grpId="0" nodeType="withEffect">
+                                  <p:stCondLst>
+                                    <p:cond delay="0"/>
+                                  </p:stCondLst>
+                                  <p:childTnLst>
+                                    <p:set>
+                                      <p:cBhvr>
+                                        <p:cTn id="6" dur="1" fill="hold">
+                                          <p:stCondLst>
+                                            <p:cond delay="0"/>
+                                          </p:stCondLst>
+                                        </p:cTn>
+                                        <p:tgtEl>
+                                          <p:spTgt spid="4"/>
+                                        </p:tgtEl>
+                                        <p:attrNameLst>
+                                          <p:attrName>style.visibility</p:attrName>
+                                        </p:attrNameLst>
+                                      </p:cBhvr>
+                                      <p:to>
+                                        <p:strVal val="visible"/>
+                                      </p:to>
+                                    </p:set>
+                                  </p:childTnLst>
+                                </p:cTn>
+                              </p:par>
+                              <p:par>
+                                <p:cTn id="7" presetID="1" presetClass="entr" presetSubtype="0" fill="hold" grpId="0" nodeType="withEffect">
+                                  <p:stCondLst>
+                                    <p:cond delay="0"/>
+                                  </p:stCondLst>
+                                  <p:childTnLst>
+                                    <p:set>
+                                      <p:cBhvr>
+                                        <p:cTn id="8" dur="1" fill="hold">
+                                          <p:stCondLst>
+                                            <p:cond delay="0"/>
+                                          </p:stCondLst>
+                                        </p:cTn>
+                                        <p:tgtEl>
+                                          <p:spTgt spid="7"/>
+                                        </p:tgtEl>
+                                        <p:attrNameLst>
+                                          <p:attrName>style.visibility</p:attrName>
+                                        </p:attrNameLst>
+                                      </p:cBhvr>
+                                      <p:to>
+                                        <p:strVal val="visible"/>
+                                      </p:to>
+                                    </p:set>
+                                  </p:childTnLst>
+                                </p:cTn>
+                              </p:par>
+                            </p:childTnLst>
+                          </p:cTn>
+                        </p:par>
+                      </p:childTnLst>
+                    </p:cTn>
+                  </p:par>
+                  <p:par>
+                    <p:cTn id="9" fill="hold">
+                      <p:stCondLst>
+                        <p:cond delay="indefinite"/>
+                      </p:stCondLst>
+                      <p:childTnLst>
+                        <p:par>
+                          <p:cTn id="10" fill="hold">
+                            <p:stCondLst>
+                              <p:cond delay="0"/>
+                            </p:stCondLst>
+                            <p:childTnLst>
+                              <p:par>
+                                <p:cTn id="11" presetID="1" presetClass="entr" presetSubtype="0" fill="hold" grpId="0" nodeType="clickEffect">
+                                  <p:stCondLst>
+                                    <p:cond delay="0"/>
+                                  </p:stCondLst>
+                                  <p:childTnLst>
+                                    <p:set>
+                                      <p:cBhvr>
+                                        <p:cTn id="12" dur="1" fill="hold">
+                                          <p:stCondLst>
+                                            <p:cond delay="0"/>
+                                          </p:stCondLst>
+                                        </p:cTn>
+                                        <p:tgtEl>
+                                          <p:spTgt spid="8"/>
+                                        </p:tgtEl>
+                                        <p:attrNameLst>
+                                          <p:attrName>style.visibility</p:attrName>
+                                        </p:attrNameLst>
+                                      </p:cBhvr>
+                                      <p:to>
+                                        <p:strVal val="visible"/>
+                                      </p:to>
+                                    </p:set>
+                                  </p:childTnLst>
+                                </p:cTn>
+                              </p:par>
+                              <p:par>
+                                <p:cTn id="13" presetID="1" presetClass="entr" presetSubtype="0" fill="hold" grpId="0" nodeType="withEffect">
+                                  <p:stCondLst>
+                                    <p:cond delay="0"/>
+                                  </p:stCondLst>
+                                  <p:childTnLst>
+                                    <p:set>
+                                      <p:cBhvr>
+                                        <p:cTn id="14" dur="1" fill="hold">
+                                          <p:stCondLst>
+                                            <p:cond delay="0"/>
+                                          </p:stCondLst>
+                                        </p:cTn>
+                                        <p:tgtEl>
+                                          <p:spTgt spid="9"/>
+                                        </p:tgtEl>
+                                        <p:attrNameLst>
+                                          <p:attrName>style.visibility</p:attrName>
+                                        </p:attrNameLst>
+                                      </p:cBhvr>
+                                      <p:to>
+                                        <p:strVal val="visible"/>
+                                      </p:to>
+                                    </p:set>
+                                  </p:childTnLst>
+                                </p:cTn>
+                              </p:par>
+                            </p:childTnLst>
+                          </p:cTn>
+                        </p:par>
+                      </p:childTnLst>
+                    </p:cTn>
+                  </p:par>
+                </p:childTnLst>
+              </p:cTn>
+              <p:prevCondLst>
+                <p:cond evt="onPrev" delay="0">
+                  <p:tgtEl>
+                    <p:sldTgt/>
+                  </p:tgtEl>
+                </p:cond>
+              </p:prevCondLst>
+              <p:nextCondLst>
+                <p:cond evt="onNext" delay="0">
+                  <p:tgtEl>
+                    <p:sldTgt/>
+                  </p:tgtEl>
+                </p:cond>
+              </p:nextCondLst>
+            </p:seq>
+          </p:childTnLst>
+        </p:cTn>
+      </p:par>
+    </p:tnLst>
+    <p:bldLst>
+      <p:bldP spid="4" grpId="0" animBg="1"/>
+      <p:bldP spid="7" grpId="0"/>
+      <p:bldP spid="8" grpId="0" animBg="1"/>
+      <p:bldP spid="9" grpId="0"/>
+    </p:bldLst>
+  </p:timing>
 </p:sld>
 </file>
 
 <file path=ppt/slides/slide5.xml><?xml version="1.0" encoding="utf-8"?>
 <p:sld xmlns:a="http://schemas.openxmlformats.org/drawingml/2006/main" xmlns:r="http://schemas.openxmlformats.org/officeDocument/2006/relationships" xmlns:p="http://schemas.openxmlformats.org/presentationml/2006/main">
   <p:cSld>
-    <p:bg>
-      <p:bgRef idx="1001">
-        <a:schemeClr val="bg1"/>
-      </p:bgRef>
-    </p:bg>
     <p:spTree>
       <p:nvGrpSpPr>
         <p:cNvPr id="1" name=""/>
@@ -4030,8 +4690,12 @@
           <a:lstStyle/>
           <a:p>
             <a:r>
-              <a:rPr lang="en-US" dirty="0" smtClean="0"/>
-              <a:t>Directives</a:t>
+              <a:rPr lang="en-US" dirty="0" err="1" smtClean="0"/>
+              <a:t>Angularjs</a:t>
+            </a:r>
+            <a:r>
+              <a:rPr lang="en-US" dirty="0" smtClean="0"/>
+              <a:t> key concepts</a:t>
             </a:r>
             <a:endParaRPr lang="en-US" dirty="0"/>
           </a:p>
@@ -4064,50 +4728,140 @@
         </p:style>
         <p:txBody>
           <a:bodyPr>
-            <a:normAutofit lnSpcReduction="10000"/>
+            <a:normAutofit fontScale="85000" lnSpcReduction="10000"/>
           </a:bodyPr>
           <a:lstStyle/>
           <a:p>
-            <a:r>
-              <a:rPr lang="en-US" dirty="0" smtClean="0"/>
-              <a:t>Directives are markers (such as attributes, tags, and class names) that tell </a:t>
-            </a:r>
-            <a:r>
-              <a:rPr lang="en-US" dirty="0" err="1" smtClean="0"/>
-              <a:t>AngularJS</a:t>
-            </a:r>
-            <a:r>
-              <a:rPr lang="en-US" dirty="0" smtClean="0"/>
-              <a:t>  to attach a given behavior to a DOM element.</a:t>
-            </a:r>
-          </a:p>
-          <a:p>
-            <a:r>
-              <a:rPr lang="en-US" dirty="0" smtClean="0"/>
-              <a:t>They teach HTML new tricks.</a:t>
-            </a:r>
-          </a:p>
-          <a:p>
-            <a:r>
-              <a:rPr lang="en-US" dirty="0" smtClean="0"/>
-              <a:t>A reusable component for performing DOM interaction, </a:t>
-            </a:r>
-            <a:r>
-              <a:rPr lang="en-US" dirty="0" err="1" smtClean="0"/>
-              <a:t>templating</a:t>
-            </a:r>
-            <a:r>
-              <a:rPr lang="en-US" dirty="0" smtClean="0"/>
-              <a:t> and possibly two-way binding against $scope</a:t>
-            </a:r>
-          </a:p>
-          <a:p>
-            <a:r>
-              <a:rPr lang="en-US" dirty="0" smtClean="0"/>
-              <a:t>The ONLY place JS to DOM interaction should occur.</a:t>
-            </a:r>
-          </a:p>
-          <a:p>
+            <a:pPr marL="857250" lvl="2" indent="-457200">
+              <a:spcAft>
+                <a:spcPts val="600"/>
+              </a:spcAft>
+            </a:pPr>
+            <a:r>
+              <a:rPr lang="en-US" sz="3200" b="1" dirty="0"/>
+              <a:t>Directive</a:t>
+            </a:r>
+            <a:r>
+              <a:rPr lang="en-US" sz="3200" dirty="0"/>
+              <a:t>: </a:t>
+            </a:r>
+            <a:r>
+              <a:rPr lang="en-US" sz="3200" dirty="0" smtClean="0"/>
+              <a:t>extends </a:t>
+            </a:r>
+            <a:r>
+              <a:rPr lang="en-US" sz="3200" dirty="0"/>
+              <a:t>HTML with custom attributes and </a:t>
+            </a:r>
+            <a:r>
+              <a:rPr lang="en-US" sz="3200" dirty="0" smtClean="0"/>
+              <a:t>elements</a:t>
+            </a:r>
+          </a:p>
+          <a:p>
+            <a:pPr marL="857250" lvl="2" indent="-457200">
+              <a:spcAft>
+                <a:spcPts val="600"/>
+              </a:spcAft>
+            </a:pPr>
+            <a:r>
+              <a:rPr lang="en-US" sz="3200" b="1" dirty="0" smtClean="0"/>
+              <a:t>Controller</a:t>
+            </a:r>
+            <a:r>
+              <a:rPr lang="en-US" sz="3200" dirty="0"/>
+              <a:t>: the business logic behind views</a:t>
+            </a:r>
+          </a:p>
+          <a:p>
+            <a:pPr marL="857250" lvl="2" indent="-457200">
+              <a:spcAft>
+                <a:spcPts val="600"/>
+              </a:spcAft>
+            </a:pPr>
+            <a:r>
+              <a:rPr lang="en-US" sz="3200" b="1" dirty="0"/>
+              <a:t>Scope</a:t>
+            </a:r>
+            <a:r>
+              <a:rPr lang="en-US" sz="3200" dirty="0"/>
+              <a:t>: “Glue” between the controller and the </a:t>
+            </a:r>
+            <a:r>
+              <a:rPr lang="en-US" sz="3200" dirty="0" smtClean="0"/>
+              <a:t>view</a:t>
+            </a:r>
+            <a:endParaRPr lang="en-US" sz="3200" dirty="0"/>
+          </a:p>
+          <a:p>
+            <a:pPr marL="857250" lvl="2" indent="-457200">
+              <a:spcAft>
+                <a:spcPts val="600"/>
+              </a:spcAft>
+            </a:pPr>
+            <a:r>
+              <a:rPr lang="en-US" sz="3200" b="1" dirty="0" smtClean="0"/>
+              <a:t>Dependency </a:t>
+            </a:r>
+            <a:r>
+              <a:rPr lang="en-US" sz="3200" b="1" dirty="0"/>
+              <a:t>Injection</a:t>
+            </a:r>
+            <a:r>
+              <a:rPr lang="en-US" sz="3200" dirty="0"/>
+              <a:t>: Automatically manage object </a:t>
+            </a:r>
+            <a:r>
+              <a:rPr lang="en-US" sz="3200" dirty="0" smtClean="0"/>
+              <a:t>dependencies</a:t>
+            </a:r>
+          </a:p>
+          <a:p>
+            <a:pPr marL="857250" lvl="2" indent="-457200">
+              <a:spcAft>
+                <a:spcPts val="600"/>
+              </a:spcAft>
+            </a:pPr>
+            <a:r>
+              <a:rPr lang="en-US" sz="3200" b="1" dirty="0" smtClean="0"/>
+              <a:t>Filter</a:t>
+            </a:r>
+            <a:r>
+              <a:rPr lang="en-US" sz="3200" dirty="0" smtClean="0"/>
+              <a:t>: </a:t>
+            </a:r>
+            <a:r>
+              <a:rPr lang="en-US" sz="3200" dirty="0"/>
+              <a:t>formats </a:t>
+            </a:r>
+            <a:r>
+              <a:rPr lang="en-US" sz="3200" dirty="0" smtClean="0"/>
+              <a:t>or transforms the input data</a:t>
+            </a:r>
+          </a:p>
+          <a:p>
+            <a:pPr marL="857250" lvl="2" indent="-457200">
+              <a:spcAft>
+                <a:spcPts val="600"/>
+              </a:spcAft>
+            </a:pPr>
+            <a:r>
+              <a:rPr lang="en-US" sz="3200" b="1" dirty="0" smtClean="0"/>
+              <a:t>Data Binding: </a:t>
+            </a:r>
+            <a:r>
+              <a:rPr lang="en-US" sz="3200" dirty="0" smtClean="0"/>
+              <a:t>sync </a:t>
+            </a:r>
+            <a:r>
+              <a:rPr lang="en-US" sz="3200" dirty="0"/>
+              <a:t>data between the model and the view</a:t>
+            </a:r>
+          </a:p>
+          <a:p>
+            <a:pPr marL="0" indent="0">
+              <a:buNone/>
+            </a:pPr>
             <a:endParaRPr lang="en-US" dirty="0"/>
           </a:p>
         </p:txBody>
@@ -4115,13 +4869,20 @@
     </p:spTree>
     <p:extLst>
       <p:ext uri="{BB962C8B-B14F-4D97-AF65-F5344CB8AC3E}">
-        <p14:creationId xmlns:p14="http://schemas.microsoft.com/office/powerpoint/2010/main" val="1272390007"/>
+        <p14:creationId xmlns:p14="http://schemas.microsoft.com/office/powerpoint/2010/main" val="3663102342"/>
       </p:ext>
     </p:extLst>
   </p:cSld>
   <p:clrMapOvr>
-    <a:overrideClrMapping bg1="lt1" tx1="dk1" bg2="lt2" tx2="dk2" accent1="accent1" accent2="accent2" accent3="accent3" accent4="accent4" accent5="accent5" accent6="accent6" hlink="hlink" folHlink="folHlink"/>
+    <a:masterClrMapping/>
   </p:clrMapOvr>
+  <p:timing>
+    <p:tnLst>
+      <p:par>
+        <p:cTn id="1" dur="indefinite" restart="never" nodeType="tmRoot"/>
+      </p:par>
+    </p:tnLst>
+  </p:timing>
 </p:sld>
 </file>
 
@@ -4211,84 +4972,50 @@
         </p:style>
         <p:txBody>
           <a:bodyPr>
-            <a:normAutofit fontScale="92500" lnSpcReduction="10000"/>
+            <a:normAutofit lnSpcReduction="10000"/>
           </a:bodyPr>
           <a:lstStyle/>
           <a:p>
             <a:r>
+              <a:rPr lang="en-US" dirty="0" smtClean="0"/>
+              <a:t>Directives are markers (such as attributes, tags, and class names) that tell </a:t>
+            </a:r>
+            <a:r>
               <a:rPr lang="en-US" dirty="0" err="1" smtClean="0"/>
-              <a:t>Angularjs</a:t>
-            </a:r>
-            <a:r>
-              <a:rPr lang="en-US" dirty="0" smtClean="0"/>
-              <a:t> has many built in directives.</a:t>
-            </a:r>
-          </a:p>
-          <a:p>
-            <a:r>
-              <a:rPr lang="en-US" dirty="0" smtClean="0"/>
-              <a:t>Here are some examples:</a:t>
-            </a:r>
-          </a:p>
-          <a:p>
-            <a:r>
-              <a:rPr lang="en-US" dirty="0" smtClean="0"/>
-              <a:t>The </a:t>
-            </a:r>
-            <a:r>
-              <a:rPr lang="en-US" i="1" dirty="0" err="1" smtClean="0"/>
-              <a:t>ng</a:t>
-            </a:r>
-            <a:r>
-              <a:rPr lang="en-US" i="1" dirty="0" smtClean="0"/>
-              <a:t>-app</a:t>
-            </a:r>
-            <a:r>
-              <a:rPr lang="en-US" dirty="0" smtClean="0"/>
-              <a:t> - Bootstrapping your app and defining its scope. </a:t>
-            </a:r>
-          </a:p>
-          <a:p>
-            <a:r>
-              <a:rPr lang="en-US" dirty="0" smtClean="0"/>
-              <a:t>The </a:t>
-            </a:r>
-            <a:r>
-              <a:rPr lang="en-US" i="1" dirty="0" err="1" smtClean="0"/>
-              <a:t>ng</a:t>
-            </a:r>
-            <a:r>
-              <a:rPr lang="en-US" i="1" dirty="0" smtClean="0"/>
-              <a:t>-controller</a:t>
-            </a:r>
-            <a:r>
-              <a:rPr lang="en-US" dirty="0" smtClean="0"/>
-              <a:t> -  defines which controller will be in charge of your view.</a:t>
-            </a:r>
-          </a:p>
-          <a:p>
-            <a:r>
-              <a:rPr lang="en-US" dirty="0" smtClean="0"/>
-              <a:t>The </a:t>
-            </a:r>
-            <a:r>
-              <a:rPr lang="en-US" i="1" dirty="0" err="1" smtClean="0"/>
-              <a:t>ng</a:t>
-            </a:r>
-            <a:r>
-              <a:rPr lang="en-US" i="1" dirty="0" smtClean="0"/>
-              <a:t>-repeat</a:t>
-            </a:r>
-            <a:r>
-              <a:rPr lang="en-US" dirty="0" smtClean="0"/>
-              <a:t> - Allows for  looping through collections.</a:t>
-            </a:r>
-          </a:p>
-          <a:p>
-            <a:r>
-              <a:rPr lang="en-US" dirty="0" smtClean="0"/>
-              <a:t>We can also create custom directives.</a:t>
-            </a:r>
+              <a:t>AngularJS</a:t>
+            </a:r>
+            <a:r>
+              <a:rPr lang="en-US" dirty="0" smtClean="0"/>
+              <a:t>  to attach a given behavior to a DOM element.</a:t>
+            </a:r>
+          </a:p>
+          <a:p>
+            <a:r>
+              <a:rPr lang="en-US" dirty="0" smtClean="0"/>
+              <a:t>They teach HTML new tricks.</a:t>
+            </a:r>
+          </a:p>
+          <a:p>
+            <a:r>
+              <a:rPr lang="en-US" dirty="0" smtClean="0"/>
+              <a:t>A reusable component for performing DOM interaction, </a:t>
+            </a:r>
+            <a:r>
+              <a:rPr lang="en-US" dirty="0" err="1" smtClean="0"/>
+              <a:t>templating</a:t>
+            </a:r>
+            <a:r>
+              <a:rPr lang="en-US" dirty="0" smtClean="0"/>
+              <a:t> and possibly two-way binding against $scope</a:t>
+            </a:r>
+          </a:p>
+          <a:p>
+            <a:r>
+              <a:rPr lang="en-US" dirty="0" smtClean="0"/>
+              <a:t>The ONLY place JS to DOM interaction should occur.</a:t>
+            </a:r>
+          </a:p>
+          <a:p>
             <a:endParaRPr lang="en-US" dirty="0"/>
           </a:p>
         </p:txBody>
@@ -4296,7 +5023,7 @@
     </p:spTree>
     <p:extLst>
       <p:ext uri="{BB962C8B-B14F-4D97-AF65-F5344CB8AC3E}">
-        <p14:creationId xmlns:p14="http://schemas.microsoft.com/office/powerpoint/2010/main" val="937552560"/>
+        <p14:creationId xmlns:p14="http://schemas.microsoft.com/office/powerpoint/2010/main" val="1272390007"/>
       </p:ext>
     </p:extLst>
   </p:cSld>
@@ -4309,6 +5036,11 @@
 <file path=ppt/slides/slide7.xml><?xml version="1.0" encoding="utf-8"?>
 <p:sld xmlns:a="http://schemas.openxmlformats.org/drawingml/2006/main" xmlns:r="http://schemas.openxmlformats.org/officeDocument/2006/relationships" xmlns:p="http://schemas.openxmlformats.org/presentationml/2006/main">
   <p:cSld>
+    <p:bg>
+      <p:bgRef idx="1001">
+        <a:schemeClr val="bg1"/>
+      </p:bgRef>
+    </p:bg>
     <p:spTree>
       <p:nvGrpSpPr>
         <p:cNvPr id="1" name=""/>
@@ -4354,7 +5086,7 @@
           <a:p>
             <a:r>
               <a:rPr lang="en-US" dirty="0" smtClean="0"/>
-              <a:t>Data Binding</a:t>
+              <a:t>Directives</a:t>
             </a:r>
             <a:endParaRPr lang="en-US" dirty="0"/>
           </a:p>
@@ -4386,24 +5118,84 @@
           </a:fontRef>
         </p:style>
         <p:txBody>
-          <a:bodyPr/>
-          <a:lstStyle/>
-          <a:p>
-            <a:r>
-              <a:rPr lang="en-US" dirty="0" smtClean="0"/>
-              <a:t>Data-binding in Angular apps is the automatic synchronization of data between the model and view components.</a:t>
-            </a:r>
-          </a:p>
-          <a:p>
-            <a:r>
-              <a:rPr lang="en-US" dirty="0" smtClean="0"/>
-              <a:t>It supports two way data binding.</a:t>
-            </a:r>
-          </a:p>
-          <a:p>
-            <a:r>
-              <a:rPr lang="en-US" dirty="0" smtClean="0"/>
-              <a:t> Any changes to the view are immediately reflected in the model, and any changes in the model are propagated to the view.</a:t>
+          <a:bodyPr>
+            <a:normAutofit fontScale="92500" lnSpcReduction="10000"/>
+          </a:bodyPr>
+          <a:lstStyle/>
+          <a:p>
+            <a:r>
+              <a:rPr lang="en-US" dirty="0" err="1" smtClean="0"/>
+              <a:t>Angularjs</a:t>
+            </a:r>
+            <a:r>
+              <a:rPr lang="en-US" dirty="0" smtClean="0"/>
+              <a:t> has many built in directives.</a:t>
+            </a:r>
+          </a:p>
+          <a:p>
+            <a:r>
+              <a:rPr lang="en-US" dirty="0" smtClean="0"/>
+              <a:t>Here are some examples:</a:t>
+            </a:r>
+          </a:p>
+          <a:p>
+            <a:r>
+              <a:rPr lang="en-US" dirty="0" smtClean="0"/>
+              <a:t>The </a:t>
+            </a:r>
+            <a:r>
+              <a:rPr lang="en-US" i="1" dirty="0" err="1" smtClean="0"/>
+              <a:t>ng</a:t>
+            </a:r>
+            <a:r>
+              <a:rPr lang="en-US" i="1" dirty="0" smtClean="0"/>
+              <a:t>-app</a:t>
+            </a:r>
+            <a:r>
+              <a:rPr lang="en-US" dirty="0" smtClean="0"/>
+              <a:t> - Bootstrapping your app and defining its scope. </a:t>
+            </a:r>
+          </a:p>
+          <a:p>
+            <a:r>
+              <a:rPr lang="en-US" dirty="0" smtClean="0"/>
+              <a:t>The </a:t>
+            </a:r>
+            <a:r>
+              <a:rPr lang="en-US" i="1" dirty="0" err="1" smtClean="0"/>
+              <a:t>ng</a:t>
+            </a:r>
+            <a:r>
+              <a:rPr lang="en-US" i="1" dirty="0" smtClean="0"/>
+              <a:t>-controller</a:t>
+            </a:r>
+            <a:r>
+              <a:rPr lang="en-US" dirty="0" smtClean="0"/>
+              <a:t> -  defines which controller will be in charge of your view.</a:t>
+            </a:r>
+          </a:p>
+          <a:p>
+            <a:r>
+              <a:rPr lang="en-US" dirty="0" smtClean="0"/>
+              <a:t>The </a:t>
+            </a:r>
+            <a:r>
+              <a:rPr lang="en-US" i="1" dirty="0" err="1" smtClean="0"/>
+              <a:t>ng</a:t>
+            </a:r>
+            <a:r>
+              <a:rPr lang="en-US" i="1" dirty="0" smtClean="0"/>
+              <a:t>-repeat</a:t>
+            </a:r>
+            <a:r>
+              <a:rPr lang="en-US" dirty="0" smtClean="0"/>
+              <a:t> - Allows for  looping through collections.</a:t>
+            </a:r>
+          </a:p>
+          <a:p>
+            <a:r>
+              <a:rPr lang="en-US" dirty="0" smtClean="0"/>
+              <a:t>We can also create custom directives.</a:t>
             </a:r>
             <a:endParaRPr lang="en-US" dirty="0"/>
           </a:p>
@@ -4412,12 +5204,12 @@
     </p:spTree>
     <p:extLst>
       <p:ext uri="{BB962C8B-B14F-4D97-AF65-F5344CB8AC3E}">
-        <p14:creationId xmlns:p14="http://schemas.microsoft.com/office/powerpoint/2010/main" val="3647311224"/>
+        <p14:creationId xmlns:p14="http://schemas.microsoft.com/office/powerpoint/2010/main" val="937552560"/>
       </p:ext>
     </p:extLst>
   </p:cSld>
   <p:clrMapOvr>
-    <a:masterClrMapping/>
+    <a:overrideClrMapping bg1="lt1" tx1="dk1" bg2="lt2" tx2="dk2" accent1="accent1" accent2="accent2" accent3="accent3" accent4="accent4" accent5="accent5" accent6="accent6" hlink="hlink" folHlink="folHlink"/>
   </p:clrMapOvr>
 </p:sld>
 </file>
@@ -4470,7 +5262,7 @@
           <a:p>
             <a:r>
               <a:rPr lang="en-US" dirty="0" smtClean="0"/>
-              <a:t>Filters</a:t>
+              <a:t>Data Binding</a:t>
             </a:r>
             <a:endParaRPr lang="en-US" dirty="0"/>
           </a:p>
@@ -4502,68 +5294,24 @@
           </a:fontRef>
         </p:style>
         <p:txBody>
-          <a:bodyPr>
-            <a:normAutofit lnSpcReduction="10000"/>
-          </a:bodyPr>
-          <a:lstStyle/>
-          <a:p>
-            <a:r>
-              <a:rPr lang="en-US" dirty="0" smtClean="0"/>
-              <a:t>A filter formats the value of an expression for display to the user. </a:t>
-            </a:r>
-          </a:p>
-          <a:p>
-            <a:r>
-              <a:rPr lang="en-US" dirty="0" smtClean="0"/>
-              <a:t>Filters can be </a:t>
-            </a:r>
-            <a:r>
-              <a:rPr lang="en-US" i="1" dirty="0" smtClean="0"/>
-              <a:t>chained</a:t>
-            </a:r>
-            <a:r>
-              <a:rPr lang="en-US" dirty="0" smtClean="0"/>
-              <a:t> together.</a:t>
-            </a:r>
-          </a:p>
-          <a:p>
-            <a:r>
-              <a:rPr lang="en-US" dirty="0" smtClean="0"/>
-              <a:t>Custom filters can also be created.</a:t>
-            </a:r>
-          </a:p>
-          <a:p>
-            <a:r>
-              <a:rPr lang="en-US" dirty="0" smtClean="0"/>
-              <a:t>Examples :</a:t>
-            </a:r>
-          </a:p>
-          <a:p>
-            <a:pPr lvl="1"/>
-            <a:r>
-              <a:rPr lang="en-US" dirty="0" smtClean="0"/>
-              <a:t>lowercase</a:t>
-            </a:r>
-          </a:p>
-          <a:p>
-            <a:pPr lvl="1"/>
-            <a:r>
-              <a:rPr lang="en-US" dirty="0" smtClean="0"/>
-              <a:t>uppercase</a:t>
-            </a:r>
-          </a:p>
-          <a:p>
-            <a:pPr lvl="1"/>
-            <a:r>
-              <a:rPr lang="en-US" dirty="0" smtClean="0"/>
-              <a:t>currency</a:t>
-            </a:r>
-          </a:p>
-          <a:p>
-            <a:pPr lvl="1"/>
-            <a:r>
-              <a:rPr lang="en-US" dirty="0" smtClean="0"/>
-              <a:t>date</a:t>
+          <a:bodyPr/>
+          <a:lstStyle/>
+          <a:p>
+            <a:r>
+              <a:rPr lang="en-US" dirty="0" smtClean="0"/>
+              <a:t>Data-binding in Angular apps is the automatic synchronization of data between the model and view components.</a:t>
+            </a:r>
+          </a:p>
+          <a:p>
+            <a:r>
+              <a:rPr lang="en-US" dirty="0" smtClean="0"/>
+              <a:t>It supports two way data binding.</a:t>
+            </a:r>
+          </a:p>
+          <a:p>
+            <a:r>
+              <a:rPr lang="en-US" dirty="0" smtClean="0"/>
+              <a:t> Any changes to the view are immediately reflected in the model, and any changes in the model are propagated to the view.</a:t>
             </a:r>
             <a:endParaRPr lang="en-US" dirty="0"/>
           </a:p>
@@ -4572,7 +5320,7 @@
     </p:spTree>
     <p:extLst>
       <p:ext uri="{BB962C8B-B14F-4D97-AF65-F5344CB8AC3E}">
-        <p14:creationId xmlns:p14="http://schemas.microsoft.com/office/powerpoint/2010/main" val="4149216713"/>
+        <p14:creationId xmlns:p14="http://schemas.microsoft.com/office/powerpoint/2010/main" val="3647311224"/>
       </p:ext>
     </p:extLst>
   </p:cSld>
@@ -4630,7 +5378,7 @@
           <a:p>
             <a:r>
               <a:rPr lang="en-US" dirty="0" smtClean="0"/>
-              <a:t>Controller</a:t>
+              <a:t>Filters</a:t>
             </a:r>
             <a:endParaRPr lang="en-US" dirty="0"/>
           </a:p>
@@ -4662,43 +5410,77 @@
           </a:fontRef>
         </p:style>
         <p:txBody>
-          <a:bodyPr/>
-          <a:lstStyle/>
-          <a:p>
-            <a:r>
-              <a:rPr lang="en-US" dirty="0" smtClean="0"/>
-              <a:t>Populate the scope with initial model values.</a:t>
-            </a:r>
-          </a:p>
-          <a:p>
-            <a:r>
-              <a:rPr lang="en-US" dirty="0" smtClean="0"/>
-              <a:t>Augment the scope with functions that can be called by the UI.</a:t>
-            </a:r>
-          </a:p>
-          <a:p>
-            <a:r>
-              <a:rPr lang="en-US" dirty="0"/>
-              <a:t>In general, a Controller shouldn't try to do too much. </a:t>
-            </a:r>
-            <a:endParaRPr lang="en-US" dirty="0" smtClean="0"/>
-          </a:p>
-          <a:p>
-            <a:r>
-              <a:rPr lang="en-US" dirty="0" smtClean="0"/>
-              <a:t>It </a:t>
-            </a:r>
-            <a:r>
-              <a:rPr lang="en-US" dirty="0"/>
-              <a:t>should contain only the business logic needed for a single view.</a:t>
-            </a:r>
+          <a:bodyPr>
+            <a:normAutofit lnSpcReduction="10000"/>
+          </a:bodyPr>
+          <a:lstStyle/>
+          <a:p>
+            <a:r>
+              <a:rPr lang="en-US" dirty="0" smtClean="0"/>
+              <a:t>A filter formats the value of an expression for display to the user. </a:t>
+            </a:r>
+          </a:p>
+          <a:p>
+            <a:r>
+              <a:rPr lang="en-US" dirty="0" smtClean="0"/>
+              <a:t>Filters can be </a:t>
+            </a:r>
+            <a:r>
+              <a:rPr lang="en-US" i="1" dirty="0" smtClean="0"/>
+              <a:t>chained</a:t>
+            </a:r>
+            <a:r>
+              <a:rPr lang="en-US" dirty="0" smtClean="0"/>
+              <a:t> together.</a:t>
+            </a:r>
+          </a:p>
+          <a:p>
+            <a:r>
+              <a:rPr lang="en-US" dirty="0" smtClean="0"/>
+              <a:t>Custom filters can also be created.</a:t>
+            </a:r>
+          </a:p>
+          <a:p>
+            <a:r>
+              <a:rPr lang="en-US" dirty="0" smtClean="0"/>
+              <a:t>Examples :</a:t>
+            </a:r>
+          </a:p>
+          <a:p>
+            <a:pPr lvl="1"/>
+            <a:r>
+              <a:rPr lang="en-US" dirty="0" smtClean="0"/>
+              <a:t>lowercase</a:t>
+            </a:r>
+          </a:p>
+          <a:p>
+            <a:pPr lvl="1"/>
+            <a:r>
+              <a:rPr lang="en-US" dirty="0" smtClean="0"/>
+              <a:t>uppercase</a:t>
+            </a:r>
+          </a:p>
+          <a:p>
+            <a:pPr lvl="1"/>
+            <a:r>
+              <a:rPr lang="en-US" dirty="0" smtClean="0"/>
+              <a:t>currency</a:t>
+            </a:r>
+          </a:p>
+          <a:p>
+            <a:pPr lvl="1"/>
+            <a:r>
+              <a:rPr lang="en-US" dirty="0" smtClean="0"/>
+              <a:t>date</a:t>
+            </a:r>
+            <a:endParaRPr lang="en-US" dirty="0"/>
           </a:p>
         </p:txBody>
       </p:sp>
     </p:spTree>
     <p:extLst>
       <p:ext uri="{BB962C8B-B14F-4D97-AF65-F5344CB8AC3E}">
-        <p14:creationId xmlns:p14="http://schemas.microsoft.com/office/powerpoint/2010/main" val="3880894844"/>
+        <p14:creationId xmlns:p14="http://schemas.microsoft.com/office/powerpoint/2010/main" val="4149216713"/>
       </p:ext>
     </p:extLst>
   </p:cSld>
